--- a/poster/740final.pptx
+++ b/poster/740final.pptx
@@ -4054,7 +4054,7 @@
                 <a:ea typeface="Calibri" panose="020F0502020204030204" pitchFamily="34" charset="0"/>
                 <a:cs typeface="Calibri" panose="020F0502020204030204" pitchFamily="34" charset="0"/>
               </a:rPr>
-              <a:t>Collaborative Research: CIRC: Planning-M: Internet Sensor Network Testbeds</a:t>
+              <a:t>Network Performance Measurement in the context of a Mixed Reality Game</a:t>
             </a:r>
             <a:endParaRPr lang="en-GB" altLang="en-US" sz="8000" b="1" dirty="0">
               <a:solidFill>
@@ -4082,14 +4082,14 @@
           <p:nvPr>
             <p:extLst>
               <p:ext uri="{D42A27DB-BD31-4B8C-83A1-F6EECF244321}">
-                <p14:modId xmlns:p14="http://schemas.microsoft.com/office/powerpoint/2010/main" val="1295189233"/>
+                <p14:modId xmlns:p14="http://schemas.microsoft.com/office/powerpoint/2010/main" val="3630424477"/>
               </p:ext>
             </p:extLst>
           </p:nvPr>
         </p:nvGraphicFramePr>
         <p:xfrm>
           <a:off x="1521974" y="4144688"/>
-          <a:ext cx="33404175" cy="2423782"/>
+          <a:ext cx="27986469" cy="2423782"/>
         </p:xfrm>
         <a:graphic>
           <a:graphicData uri="http://schemas.openxmlformats.org/drawingml/2006/table">
@@ -4110,7 +4110,7 @@
                     </a:ext>
                   </a:extLst>
                 </a:gridCol>
-                <a:gridCol w="5714882">
+                <a:gridCol w="297176">
                   <a:extLst>
                     <a:ext uri="{9D8B030D-6E8A-4147-A177-3AD203B41FA5}">
                       <a16:colId xmlns:a16="http://schemas.microsoft.com/office/drawing/2014/main" val="20002"/>
@@ -4784,10 +4784,10 @@
         </p:nvGrpSpPr>
         <p:grpSpPr>
           <a:xfrm>
-            <a:off x="1321949" y="20337144"/>
-            <a:ext cx="33676432" cy="5951856"/>
-            <a:chOff x="1321949" y="20337144"/>
-            <a:chExt cx="33676432" cy="5951856"/>
+            <a:off x="1321949" y="20324011"/>
+            <a:ext cx="33676432" cy="5964989"/>
+            <a:chOff x="1321949" y="20324011"/>
+            <a:chExt cx="33676432" cy="5964989"/>
           </a:xfrm>
         </p:grpSpPr>
         <p:sp>
@@ -5202,7 +5202,7 @@
                   <a:ea typeface="Calibri" panose="020F0502020204030204" pitchFamily="34" charset="0"/>
                   <a:cs typeface="Calibri" panose="020F0502020204030204" pitchFamily="34" charset="0"/>
                 </a:rPr>
-                <a:t>Next Steps</a:t>
+                <a:t>Key Results</a:t>
               </a:r>
             </a:p>
             <a:p>
@@ -5220,7 +5220,7 @@
                 <a:defRPr/>
               </a:pPr>
               <a:r>
-                <a:rPr lang="en-GB" sz="3600" dirty="0">
+                <a:rPr lang="en-US" sz="3600" dirty="0">
                   <a:solidFill>
                     <a:srgbClr val="000000"/>
                   </a:solidFill>
@@ -5228,7 +5228,7 @@
                   <a:ea typeface="Calibri" panose="020F0502020204030204" pitchFamily="34" charset="0"/>
                   <a:cs typeface="Calibri" panose="020F0502020204030204" pitchFamily="34" charset="0"/>
                 </a:rPr>
-                <a:t>The leadership team will organize subgroups to develop key components of the proposal:</a:t>
+                <a:t>Our analysis focuses on network metrics including packet count, goodput/throughput, TCP/Layer 2 retransmissions, and packet loss across all experimental scenarios:</a:t>
               </a:r>
             </a:p>
             <a:p>
@@ -5248,7 +5248,7 @@
                 <a:defRPr/>
               </a:pPr>
               <a:r>
-                <a:rPr lang="en-GB" sz="3200" dirty="0">
+                <a:rPr lang="en-US" sz="3600" dirty="0">
                   <a:solidFill>
                     <a:srgbClr val="000000"/>
                   </a:solidFill>
@@ -5256,29 +5256,7 @@
                   <a:ea typeface="Calibri" panose="020F0502020204030204" pitchFamily="34" charset="0"/>
                   <a:cs typeface="Calibri" panose="020F0502020204030204" pitchFamily="34" charset="0"/>
                 </a:rPr>
-                <a:t>Dark </a:t>
-              </a:r>
-              <a:r>
-                <a:rPr lang="en-GB" sz="3200" dirty="0" err="1">
-                  <a:solidFill>
-                    <a:srgbClr val="000000"/>
-                  </a:solidFill>
-                  <a:latin typeface="Calibri" panose="020F0502020204030204" pitchFamily="34" charset="0"/>
-                  <a:ea typeface="Calibri" panose="020F0502020204030204" pitchFamily="34" charset="0"/>
-                  <a:cs typeface="Calibri" panose="020F0502020204030204" pitchFamily="34" charset="0"/>
-                </a:rPr>
-                <a:t>fiber</a:t>
-              </a:r>
-              <a:r>
-                <a:rPr lang="en-GB" sz="3200" dirty="0">
-                  <a:solidFill>
-                    <a:srgbClr val="000000"/>
-                  </a:solidFill>
-                  <a:latin typeface="Calibri" panose="020F0502020204030204" pitchFamily="34" charset="0"/>
-                  <a:ea typeface="Calibri" panose="020F0502020204030204" pitchFamily="34" charset="0"/>
-                  <a:cs typeface="Calibri" panose="020F0502020204030204" pitchFamily="34" charset="0"/>
-                </a:rPr>
-                <a:t> repository</a:t>
+                <a:t>Physical interference (e.g., Bluetooth signals and hairdryers) significantly degrades Layer 2 performance, directly increasing MAC-layer retransmission.</a:t>
               </a:r>
             </a:p>
             <a:p>
@@ -5298,7 +5276,7 @@
                 <a:defRPr/>
               </a:pPr>
               <a:r>
-                <a:rPr lang="en-GB" sz="3200" dirty="0">
+                <a:rPr lang="en-US" altLang="zh-CN" sz="3600" dirty="0">
                   <a:solidFill>
                     <a:srgbClr val="000000"/>
                   </a:solidFill>
@@ -5306,8 +5284,38 @@
                   <a:ea typeface="Calibri" panose="020F0502020204030204" pitchFamily="34" charset="0"/>
                   <a:cs typeface="Calibri" panose="020F0502020204030204" pitchFamily="34" charset="0"/>
                 </a:rPr>
-                <a:t>Data processing and storage</a:t>
+                <a:t>Bandwidth-intensive devices operating on the same network</a:t>
               </a:r>
+              <a:r>
+                <a:rPr lang="en-GB" altLang="zh-CN" sz="3600" dirty="0">
+                  <a:solidFill>
+                    <a:srgbClr val="000000"/>
+                  </a:solidFill>
+                  <a:latin typeface="Calibri" panose="020F0502020204030204" pitchFamily="34" charset="0"/>
+                  <a:ea typeface="Calibri" panose="020F0502020204030204" pitchFamily="34" charset="0"/>
+                  <a:cs typeface="Calibri" panose="020F0502020204030204" pitchFamily="34" charset="0"/>
+                </a:rPr>
+                <a:t>(e.g. 4k) induce congestion-driven bottleneck.</a:t>
+              </a:r>
+              <a:r>
+                <a:rPr lang="en-US" altLang="zh-CN" sz="3600" dirty="0">
+                  <a:solidFill>
+                    <a:srgbClr val="000000"/>
+                  </a:solidFill>
+                  <a:latin typeface="Calibri" panose="020F0502020204030204" pitchFamily="34" charset="0"/>
+                  <a:ea typeface="Calibri" panose="020F0502020204030204" pitchFamily="34" charset="0"/>
+                  <a:cs typeface="Calibri" panose="020F0502020204030204" pitchFamily="34" charset="0"/>
+                </a:rPr>
+                <a:t> This contention elevates TCP retransmissions.</a:t>
+              </a:r>
+              <a:endParaRPr lang="en-GB" altLang="zh-CN" sz="3600" dirty="0">
+                <a:solidFill>
+                  <a:srgbClr val="000000"/>
+                </a:solidFill>
+                <a:latin typeface="Calibri" panose="020F0502020204030204" pitchFamily="34" charset="0"/>
+                <a:ea typeface="Calibri" panose="020F0502020204030204" pitchFamily="34" charset="0"/>
+                <a:cs typeface="Calibri" panose="020F0502020204030204" pitchFamily="34" charset="0"/>
+              </a:endParaRPr>
             </a:p>
             <a:p>
               <a:pPr marL="571500" lvl="1" indent="-571500" eaLnBrk="1">
@@ -5325,71 +5333,14 @@
                 <a:buChar char="•"/>
                 <a:defRPr/>
               </a:pPr>
-              <a:r>
-                <a:rPr lang="en-GB" sz="3200" dirty="0">
-                  <a:solidFill>
-                    <a:srgbClr val="000000"/>
-                  </a:solidFill>
-                  <a:latin typeface="Calibri" panose="020F0502020204030204" pitchFamily="34" charset="0"/>
-                  <a:ea typeface="Calibri" panose="020F0502020204030204" pitchFamily="34" charset="0"/>
-                  <a:cs typeface="Calibri" panose="020F0502020204030204" pitchFamily="34" charset="0"/>
-                </a:rPr>
-                <a:t>Build-out and management</a:t>
-              </a:r>
-            </a:p>
-            <a:p>
-              <a:pPr eaLnBrk="1">
-                <a:lnSpc>
-                  <a:spcPct val="98000"/>
-                </a:lnSpc>
-                <a:spcAft>
-                  <a:spcPts val="600"/>
-                </a:spcAft>
-                <a:buClr>
+              <a:endParaRPr lang="en-GB" sz="3600" dirty="0">
+                <a:solidFill>
                   <a:srgbClr val="000000"/>
-                </a:buClr>
-                <a:buSzPct val="45000"/>
-                <a:defRPr/>
-              </a:pPr>
-              <a:r>
-                <a:rPr lang="en-GB" sz="3600" dirty="0">
-                  <a:solidFill>
-                    <a:srgbClr val="000000"/>
-                  </a:solidFill>
-                  <a:latin typeface="Calibri" panose="020F0502020204030204" pitchFamily="34" charset="0"/>
-                  <a:ea typeface="Calibri" panose="020F0502020204030204" pitchFamily="34" charset="0"/>
-                  <a:cs typeface="Calibri" panose="020F0502020204030204" pitchFamily="34" charset="0"/>
-                </a:rPr>
-                <a:t>Organize Second Workshop on Internet Sensing Testbed</a:t>
-              </a:r>
-            </a:p>
-            <a:p>
-              <a:pPr marL="571500" lvl="1" indent="-571500" eaLnBrk="1">
-                <a:lnSpc>
-                  <a:spcPct val="98000"/>
-                </a:lnSpc>
-                <a:spcAft>
-                  <a:spcPts val="600"/>
-                </a:spcAft>
-                <a:buClr>
-                  <a:srgbClr val="000000"/>
-                </a:buClr>
-                <a:buSzPct val="150000"/>
-                <a:buFont typeface="Arial" panose="020B0604020202020204" pitchFamily="34" charset="0"/>
-                <a:buChar char="•"/>
-                <a:defRPr/>
-              </a:pPr>
-              <a:r>
-                <a:rPr lang="en-GB" sz="3200" dirty="0">
-                  <a:solidFill>
-                    <a:srgbClr val="000000"/>
-                  </a:solidFill>
-                  <a:latin typeface="Calibri" panose="020F0502020204030204" pitchFamily="34" charset="0"/>
-                  <a:ea typeface="Calibri" panose="020F0502020204030204" pitchFamily="34" charset="0"/>
-                  <a:cs typeface="Calibri" panose="020F0502020204030204" pitchFamily="34" charset="0"/>
-                </a:rPr>
-                <a:t>Target additional participants who can contribute to proposal development</a:t>
-              </a:r>
+                </a:solidFill>
+                <a:latin typeface="Calibri" panose="020F0502020204030204" pitchFamily="34" charset="0"/>
+                <a:ea typeface="Calibri" panose="020F0502020204030204" pitchFamily="34" charset="0"/>
+                <a:cs typeface="Calibri" panose="020F0502020204030204" pitchFamily="34" charset="0"/>
+              </a:endParaRPr>
             </a:p>
           </p:txBody>
         </p:sp>
@@ -5717,7 +5668,7 @@
           </p:nvSpPr>
           <p:spPr bwMode="auto">
             <a:xfrm>
-              <a:off x="23713785" y="20465074"/>
+              <a:off x="23702674" y="20324011"/>
               <a:ext cx="10994875" cy="5695986"/>
             </a:xfrm>
             <a:prstGeom prst="rect">
@@ -5976,111 +5927,7 @@
                   <a:ea typeface="Calibri" panose="020F0502020204030204" pitchFamily="34" charset="0"/>
                   <a:cs typeface="Calibri" panose="020F0502020204030204" pitchFamily="34" charset="0"/>
                 </a:rPr>
-                <a:t>Timeline </a:t>
-              </a:r>
-            </a:p>
-            <a:p>
-              <a:pPr eaLnBrk="1">
-                <a:lnSpc>
-                  <a:spcPct val="98000"/>
-                </a:lnSpc>
-                <a:spcAft>
-                  <a:spcPts val="600"/>
-                </a:spcAft>
-                <a:buClr>
-                  <a:srgbClr val="000000"/>
-                </a:buClr>
-                <a:buSzPct val="45000"/>
-              </a:pPr>
-              <a:r>
-                <a:rPr lang="en-GB" altLang="en-US" sz="3600" dirty="0">
-                  <a:solidFill>
-                    <a:srgbClr val="000000"/>
-                  </a:solidFill>
-                  <a:latin typeface="Calibri" panose="020F0502020204030204" pitchFamily="34" charset="0"/>
-                  <a:ea typeface="Calibri" panose="020F0502020204030204" pitchFamily="34" charset="0"/>
-                  <a:cs typeface="Calibri" panose="020F0502020204030204" pitchFamily="34" charset="0"/>
-                </a:rPr>
-                <a:t>Q1/Q2 ’25: </a:t>
-              </a:r>
-            </a:p>
-            <a:p>
-              <a:pPr marL="571500" indent="-571500" eaLnBrk="1">
-                <a:lnSpc>
-                  <a:spcPct val="98000"/>
-                </a:lnSpc>
-                <a:spcAft>
-                  <a:spcPts val="600"/>
-                </a:spcAft>
-                <a:buClr>
-                  <a:srgbClr val="000000"/>
-                </a:buClr>
-                <a:buSzPct val="150000"/>
-                <a:buFont typeface="Arial" panose="020B0604020202020204" pitchFamily="34" charset="0"/>
-                <a:buChar char="•"/>
-              </a:pPr>
-              <a:r>
-                <a:rPr lang="en-GB" altLang="en-US" sz="3200" dirty="0">
-                  <a:solidFill>
-                    <a:srgbClr val="000000"/>
-                  </a:solidFill>
-                  <a:latin typeface="Calibri" panose="020F0502020204030204" pitchFamily="34" charset="0"/>
-                  <a:ea typeface="Calibri" panose="020F0502020204030204" pitchFamily="34" charset="0"/>
-                  <a:cs typeface="Calibri" panose="020F0502020204030204" pitchFamily="34" charset="0"/>
-                </a:rPr>
-                <a:t>Conduct meetings with subgroups to work on proposal framework</a:t>
-              </a:r>
-            </a:p>
-            <a:p>
-              <a:pPr marL="571500" indent="-571500" eaLnBrk="1">
-                <a:lnSpc>
-                  <a:spcPct val="98000"/>
-                </a:lnSpc>
-                <a:spcAft>
-                  <a:spcPts val="600"/>
-                </a:spcAft>
-                <a:buClr>
-                  <a:srgbClr val="000000"/>
-                </a:buClr>
-                <a:buSzPct val="150000"/>
-                <a:buFont typeface="Arial" panose="020B0604020202020204" pitchFamily="34" charset="0"/>
-                <a:buChar char="•"/>
-              </a:pPr>
-              <a:r>
-                <a:rPr lang="en-GB" altLang="en-US" sz="3200" dirty="0">
-                  <a:solidFill>
-                    <a:srgbClr val="000000"/>
-                  </a:solidFill>
-                  <a:latin typeface="Calibri" panose="020F0502020204030204" pitchFamily="34" charset="0"/>
-                  <a:ea typeface="Calibri" panose="020F0502020204030204" pitchFamily="34" charset="0"/>
-                  <a:cs typeface="Calibri" panose="020F0502020204030204" pitchFamily="34" charset="0"/>
-                </a:rPr>
-                <a:t>Organize workshop #2</a:t>
-              </a:r>
-            </a:p>
-            <a:p>
-              <a:pPr eaLnBrk="1">
-                <a:lnSpc>
-                  <a:spcPct val="98000"/>
-                </a:lnSpc>
-                <a:spcAft>
-                  <a:spcPts val="600"/>
-                </a:spcAft>
-                <a:buClr>
-                  <a:srgbClr val="000000"/>
-                </a:buClr>
-                <a:buSzPct val="45000"/>
-              </a:pPr>
-              <a:r>
-                <a:rPr lang="en-GB" altLang="en-US" sz="3600" dirty="0">
-                  <a:solidFill>
-                    <a:srgbClr val="000000"/>
-                  </a:solidFill>
-                  <a:latin typeface="Calibri" panose="020F0502020204030204" pitchFamily="34" charset="0"/>
-                  <a:ea typeface="Calibri" panose="020F0502020204030204" pitchFamily="34" charset="0"/>
-                  <a:cs typeface="Calibri" panose="020F0502020204030204" pitchFamily="34" charset="0"/>
-                </a:rPr>
-                <a:t>Q3 ’25:</a:t>
+                <a:t>Conclusions and Future Work </a:t>
               </a:r>
             </a:p>
             <a:p>
@@ -6097,9 +5944,10 @@
                 <a:buSzPct val="150000"/>
                 <a:buFont typeface="Arial" panose="020B0604020202020204" pitchFamily="34" charset="0"/>
                 <a:buChar char="•"/>
+                <a:defRPr/>
               </a:pPr>
               <a:r>
-                <a:rPr lang="en-GB" altLang="en-US" sz="3200" dirty="0">
+                <a:rPr lang="en-US" altLang="zh-CN" sz="3600" dirty="0">
                   <a:solidFill>
                     <a:srgbClr val="000000"/>
                   </a:solidFill>
@@ -6107,7 +5955,7 @@
                   <a:ea typeface="Calibri" panose="020F0502020204030204" pitchFamily="34" charset="0"/>
                   <a:cs typeface="Calibri" panose="020F0502020204030204" pitchFamily="34" charset="0"/>
                 </a:rPr>
-                <a:t>Host workshop #2 in Madison, WI (late July)</a:t>
+                <a:t>Conclusion: Our findings reveal that network performance degradation in MR environments stems from two distinct sources: physical interference (e.g., hairdryers) disrupts Layer 2 reliability through electromagnetic noise, while bandwidth contention (e.g., 4K video) induces transport-layer congestion. </a:t>
               </a:r>
             </a:p>
             <a:p>
@@ -6124,9 +5972,10 @@
                 <a:buSzPct val="150000"/>
                 <a:buFont typeface="Arial" panose="020B0604020202020204" pitchFamily="34" charset="0"/>
                 <a:buChar char="•"/>
+                <a:defRPr/>
               </a:pPr>
               <a:r>
-                <a:rPr lang="en-GB" altLang="en-US" sz="3200" dirty="0">
+                <a:rPr lang="en-US" altLang="en-US" sz="3600" dirty="0">
                   <a:solidFill>
                     <a:srgbClr val="000000"/>
                   </a:solidFill>
@@ -6134,59 +5983,7 @@
                   <a:ea typeface="Calibri" panose="020F0502020204030204" pitchFamily="34" charset="0"/>
                   <a:cs typeface="Calibri" panose="020F0502020204030204" pitchFamily="34" charset="0"/>
                 </a:rPr>
-                <a:t>Finalize midscale framework</a:t>
-              </a:r>
-            </a:p>
-            <a:p>
-              <a:pPr eaLnBrk="1">
-                <a:lnSpc>
-                  <a:spcPct val="98000"/>
-                </a:lnSpc>
-                <a:spcAft>
-                  <a:spcPts val="600"/>
-                </a:spcAft>
-                <a:buClr>
-                  <a:srgbClr val="000000"/>
-                </a:buClr>
-                <a:buSzPct val="45000"/>
-              </a:pPr>
-              <a:r>
-                <a:rPr lang="en-GB" altLang="en-US" sz="3600" dirty="0">
-                  <a:solidFill>
-                    <a:srgbClr val="000000"/>
-                  </a:solidFill>
-                  <a:latin typeface="Calibri" panose="020F0502020204030204" pitchFamily="34" charset="0"/>
-                  <a:ea typeface="Calibri" panose="020F0502020204030204" pitchFamily="34" charset="0"/>
-                  <a:cs typeface="Calibri" panose="020F0502020204030204" pitchFamily="34" charset="0"/>
-                </a:rPr>
-                <a:t>Q4 ‘25/Q1 ’26:</a:t>
-              </a:r>
-            </a:p>
-            <a:p>
-              <a:pPr marL="571500" lvl="1" indent="-571500" eaLnBrk="1">
-                <a:lnSpc>
-                  <a:spcPct val="98000"/>
-                </a:lnSpc>
-                <a:spcAft>
-                  <a:spcPts val="600"/>
-                </a:spcAft>
-                <a:buClr>
-                  <a:srgbClr val="000000"/>
-                </a:buClr>
-                <a:buSzPct val="150000"/>
-                <a:buFont typeface="Arial" panose="020B0604020202020204" pitchFamily="34" charset="0"/>
-                <a:buChar char="•"/>
-              </a:pPr>
-              <a:r>
-                <a:rPr lang="en-GB" altLang="en-US" sz="3200" dirty="0">
-                  <a:solidFill>
-                    <a:srgbClr val="000000"/>
-                  </a:solidFill>
-                  <a:latin typeface="Calibri" panose="020F0502020204030204" pitchFamily="34" charset="0"/>
-                  <a:ea typeface="Calibri" panose="020F0502020204030204" pitchFamily="34" charset="0"/>
-                  <a:cs typeface="Calibri" panose="020F0502020204030204" pitchFamily="34" charset="0"/>
-                </a:rPr>
-                <a:t>Finalize and submit the proposal</a:t>
+                <a:t>Future works: 1. stress-test MR applications under extreme conditions 2. multi-player MR scenarios, which demand scalable bandwidth and dynamic adaptation to network fluctuations, warrant investigation</a:t>
               </a:r>
             </a:p>
           </p:txBody>
@@ -6449,7 +6246,7 @@
                   <a:ea typeface="Calibri" panose="020F0502020204030204" pitchFamily="34" charset="0"/>
                   <a:cs typeface="Calibri" panose="020F0502020204030204" pitchFamily="34" charset="0"/>
                 </a:rPr>
-                <a:t>Workshop Outcomes</a:t>
+                <a:t>Data</a:t>
               </a:r>
             </a:p>
             <a:p>
@@ -6477,7 +6274,29 @@
                   <a:ea typeface="Calibri" panose="020F0502020204030204" pitchFamily="34" charset="0"/>
                   <a:cs typeface="Calibri" panose="020F0502020204030204" pitchFamily="34" charset="0"/>
                 </a:rPr>
-                <a:t>Significant enthusiasm and clear need for a national Internet-based sensing testbed</a:t>
+                <a:t>We use </a:t>
+              </a:r>
+              <a:r>
+                <a:rPr lang="en-GB" sz="3600" dirty="0" err="1">
+                  <a:solidFill>
+                    <a:srgbClr val="000000"/>
+                  </a:solidFill>
+                  <a:latin typeface="Calibri" panose="020F0502020204030204" pitchFamily="34" charset="0"/>
+                  <a:ea typeface="Calibri" panose="020F0502020204030204" pitchFamily="34" charset="0"/>
+                  <a:cs typeface="Calibri" panose="020F0502020204030204" pitchFamily="34" charset="0"/>
+                </a:rPr>
+                <a:t>tcpdump</a:t>
+              </a:r>
+              <a:r>
+                <a:rPr lang="en-GB" sz="3600" dirty="0">
+                  <a:solidFill>
+                    <a:srgbClr val="000000"/>
+                  </a:solidFill>
+                  <a:latin typeface="Calibri" panose="020F0502020204030204" pitchFamily="34" charset="0"/>
+                  <a:ea typeface="Calibri" panose="020F0502020204030204" pitchFamily="34" charset="0"/>
+                  <a:cs typeface="Calibri" panose="020F0502020204030204" pitchFamily="34" charset="0"/>
+                </a:rPr>
+                <a:t> to collect network traffic under 5 different scenarios: Baseline, Baseline + Music, Baseline + 4k Video, Baseline + Bluetooth, Baseline + 4k Video</a:t>
               </a:r>
             </a:p>
             <a:p>
@@ -6505,29 +6324,7 @@
                   <a:ea typeface="Calibri" panose="020F0502020204030204" pitchFamily="34" charset="0"/>
                   <a:cs typeface="Calibri" panose="020F0502020204030204" pitchFamily="34" charset="0"/>
                 </a:rPr>
-                <a:t>Strong synergies between </a:t>
-              </a:r>
-              <a:r>
-                <a:rPr lang="en-GB" sz="3600" dirty="0" err="1">
-                  <a:solidFill>
-                    <a:srgbClr val="000000"/>
-                  </a:solidFill>
-                  <a:latin typeface="Calibri" panose="020F0502020204030204" pitchFamily="34" charset="0"/>
-                  <a:ea typeface="Calibri" panose="020F0502020204030204" pitchFamily="34" charset="0"/>
-                  <a:cs typeface="Calibri" panose="020F0502020204030204" pitchFamily="34" charset="0"/>
-                </a:rPr>
-                <a:t>fiber</a:t>
-              </a:r>
-              <a:r>
-                <a:rPr lang="en-GB" sz="3600" dirty="0">
-                  <a:solidFill>
-                    <a:srgbClr val="000000"/>
-                  </a:solidFill>
-                  <a:latin typeface="Calibri" panose="020F0502020204030204" pitchFamily="34" charset="0"/>
-                  <a:ea typeface="Calibri" panose="020F0502020204030204" pitchFamily="34" charset="0"/>
-                  <a:cs typeface="Calibri" panose="020F0502020204030204" pitchFamily="34" charset="0"/>
-                </a:rPr>
-                <a:t>-based sensing and quantum networking</a:t>
+                <a:t>We play the shooting game for 120s and change gun’s skin every 10s to trigger packet transmission</a:t>
               </a:r>
             </a:p>
             <a:p>
@@ -6555,35 +6352,7 @@
                   <a:ea typeface="Calibri" panose="020F0502020204030204" pitchFamily="34" charset="0"/>
                   <a:cs typeface="Calibri" panose="020F0502020204030204" pitchFamily="34" charset="0"/>
                 </a:rPr>
-                <a:t>Strong interest from industry participants (equipment and Internet Service Providers)</a:t>
-              </a:r>
-            </a:p>
-            <a:p>
-              <a:pPr marL="571500" lvl="1" indent="-571500" eaLnBrk="1">
-                <a:lnSpc>
-                  <a:spcPct val="98000"/>
-                </a:lnSpc>
-                <a:spcAft>
-                  <a:spcPts val="600"/>
-                </a:spcAft>
-                <a:buClr>
-                  <a:srgbClr val="000000"/>
-                </a:buClr>
-                <a:buSzPct val="150000"/>
-                <a:buFont typeface="Arial" panose="020B0604020202020204" pitchFamily="34" charset="0"/>
-                <a:buChar char="•"/>
-                <a:defRPr/>
-              </a:pPr>
-              <a:r>
-                <a:rPr lang="en-GB" sz="3600" dirty="0">
-                  <a:solidFill>
-                    <a:srgbClr val="000000"/>
-                  </a:solidFill>
-                  <a:latin typeface="Calibri" panose="020F0502020204030204" pitchFamily="34" charset="0"/>
-                  <a:ea typeface="Calibri" panose="020F0502020204030204" pitchFamily="34" charset="0"/>
-                  <a:cs typeface="Calibri" panose="020F0502020204030204" pitchFamily="34" charset="0"/>
-                </a:rPr>
-                <a:t>Volunteers for leadership on developing key elements of the envisioned midscale proposal</a:t>
+                <a:t>The data is collected in a clean environment, while only Oculus Quest3 and the interference device are connected to the router.</a:t>
               </a:r>
             </a:p>
             <a:p>
@@ -6702,9 +6471,9 @@
         <p:grpSpPr>
           <a:xfrm>
             <a:off x="1321949" y="5638800"/>
-            <a:ext cx="33715326" cy="6139180"/>
+            <a:ext cx="33715326" cy="6269672"/>
             <a:chOff x="1321949" y="5638800"/>
-            <a:chExt cx="33715326" cy="6139180"/>
+            <a:chExt cx="33715326" cy="6269672"/>
           </a:xfrm>
         </p:grpSpPr>
         <p:sp>
@@ -8630,7 +8399,7 @@
           <p:spPr bwMode="auto">
             <a:xfrm>
               <a:off x="23755059" y="5867400"/>
-              <a:ext cx="10942490" cy="5881688"/>
+              <a:ext cx="10942490" cy="6041072"/>
             </a:xfrm>
             <a:prstGeom prst="rect">
               <a:avLst/>
@@ -8871,7 +8640,7 @@
                   <a:ea typeface="Calibri" panose="020F0502020204030204" pitchFamily="34" charset="0"/>
                   <a:cs typeface="Calibri" panose="020F0502020204030204" pitchFamily="34" charset="0"/>
                 </a:rPr>
-                <a:t>First Workshop on Internet Sensing Testbed</a:t>
+                <a:t>Methodology</a:t>
               </a:r>
             </a:p>
             <a:p>
@@ -8899,7 +8668,54 @@
                   <a:ea typeface="Calibri" panose="020F0502020204030204" pitchFamily="34" charset="0"/>
                   <a:cs typeface="Calibri" panose="020F0502020204030204" pitchFamily="34" charset="0"/>
                 </a:rPr>
-                <a:t>Goal:  Bring together thought leaders from diverse communities to consider the framework for the testbed</a:t>
+                <a:t>Build and deploy the MR Shooting Game in Oculus Quest3. </a:t>
+              </a:r>
+              <a:r>
+                <a:rPr lang="en-US" sz="3600" dirty="0">
+                  <a:solidFill>
+                    <a:srgbClr val="000000"/>
+                  </a:solidFill>
+                  <a:latin typeface="Calibri" panose="020F0502020204030204" pitchFamily="34" charset="0"/>
+                  <a:ea typeface="Calibri" panose="020F0502020204030204" pitchFamily="34" charset="0"/>
+                  <a:cs typeface="Calibri" panose="020F0502020204030204" pitchFamily="34" charset="0"/>
+                </a:rPr>
+                <a:t>Players have the option to customize the appearance of their weapon by selecting different skins.</a:t>
+              </a:r>
+              <a:endParaRPr lang="en-GB" sz="3600" dirty="0">
+                <a:solidFill>
+                  <a:srgbClr val="000000"/>
+                </a:solidFill>
+                <a:latin typeface="Calibri" panose="020F0502020204030204" pitchFamily="34" charset="0"/>
+                <a:ea typeface="Calibri" panose="020F0502020204030204" pitchFamily="34" charset="0"/>
+                <a:cs typeface="Calibri" panose="020F0502020204030204" pitchFamily="34" charset="0"/>
+              </a:endParaRPr>
+            </a:p>
+            <a:p>
+              <a:pPr marL="571500" lvl="1" indent="-571500" eaLnBrk="1">
+                <a:lnSpc>
+                  <a:spcPct val="98000"/>
+                </a:lnSpc>
+                <a:spcAft>
+                  <a:spcPts val="600"/>
+                </a:spcAft>
+                <a:buClr>
+                  <a:srgbClr val="000000"/>
+                </a:buClr>
+                <a:buSzPct val="150000"/>
+                <a:buFont typeface="Arial" panose="020B0604020202020204" pitchFamily="34" charset="0"/>
+                <a:buChar char="•"/>
+                <a:defRPr/>
+              </a:pPr>
+              <a:r>
+                <a:rPr lang="en-GB" sz="3600" dirty="0">
+                  <a:solidFill>
+                    <a:srgbClr val="000000"/>
+                  </a:solidFill>
+                  <a:latin typeface="Calibri" panose="020F0502020204030204" pitchFamily="34" charset="0"/>
+                  <a:ea typeface="Calibri" panose="020F0502020204030204" pitchFamily="34" charset="0"/>
+                  <a:cs typeface="Calibri" panose="020F0502020204030204" pitchFamily="34" charset="0"/>
+                </a:rPr>
+                <a:t>The weapon skins are textures downloaded from the server in Real-time. The player’s data synchronizes with the server regularly.</a:t>
               </a:r>
             </a:p>
             <a:p>
@@ -8919,7 +8735,7 @@
                 <a:defRPr/>
               </a:pPr>
               <a:r>
-                <a:rPr lang="en-GB" sz="3600" dirty="0">
+                <a:rPr lang="en-US" sz="3600" dirty="0">
                   <a:solidFill>
                     <a:srgbClr val="000000"/>
                   </a:solidFill>
@@ -8927,27 +8743,10 @@
                   <a:ea typeface="Calibri" panose="020F0502020204030204" pitchFamily="34" charset="0"/>
                   <a:cs typeface="Calibri" panose="020F0502020204030204" pitchFamily="34" charset="0"/>
                 </a:rPr>
-                <a:t>Held in Madison, WI on December 5 and 6, 2024</a:t>
+                <a:t>We use </a:t>
               </a:r>
-            </a:p>
-            <a:p>
-              <a:pPr marL="571500" lvl="1" indent="-571500" eaLnBrk="1">
-                <a:lnSpc>
-                  <a:spcPct val="98000"/>
-                </a:lnSpc>
-                <a:spcAft>
-                  <a:spcPts val="600"/>
-                </a:spcAft>
-                <a:buClr>
-                  <a:srgbClr val="000000"/>
-                </a:buClr>
-                <a:buSzPct val="150000"/>
-                <a:buFont typeface="Arial" panose="020B0604020202020204" pitchFamily="34" charset="0"/>
-                <a:buChar char="•"/>
-                <a:defRPr/>
-              </a:pPr>
               <a:r>
-                <a:rPr lang="en-GB" sz="3600" dirty="0">
+                <a:rPr lang="en-US" sz="3600" dirty="0" err="1">
                   <a:solidFill>
                     <a:srgbClr val="000000"/>
                   </a:solidFill>
@@ -8955,27 +8754,10 @@
                   <a:ea typeface="Calibri" panose="020F0502020204030204" pitchFamily="34" charset="0"/>
                   <a:cs typeface="Calibri" panose="020F0502020204030204" pitchFamily="34" charset="0"/>
                 </a:rPr>
-                <a:t>Attended by 25 experts from geoscience, physics, electrical engineering, and computer science</a:t>
+                <a:t>tcpdump</a:t>
               </a:r>
-            </a:p>
-            <a:p>
-              <a:pPr marL="571500" lvl="1" indent="-571500" eaLnBrk="1">
-                <a:lnSpc>
-                  <a:spcPct val="98000"/>
-                </a:lnSpc>
-                <a:spcAft>
-                  <a:spcPts val="600"/>
-                </a:spcAft>
-                <a:buClr>
-                  <a:srgbClr val="000000"/>
-                </a:buClr>
-                <a:buSzPct val="150000"/>
-                <a:buFont typeface="Arial" panose="020B0604020202020204" pitchFamily="34" charset="0"/>
-                <a:buChar char="•"/>
-                <a:defRPr/>
-              </a:pPr>
               <a:r>
-                <a:rPr lang="en-GB" sz="3600" dirty="0">
+                <a:rPr lang="en-US" sz="3600" dirty="0">
                   <a:solidFill>
                     <a:srgbClr val="000000"/>
                   </a:solidFill>
@@ -8983,131 +8765,8 @@
                   <a:ea typeface="Calibri" panose="020F0502020204030204" pitchFamily="34" charset="0"/>
                   <a:cs typeface="Calibri" panose="020F0502020204030204" pitchFamily="34" charset="0"/>
                 </a:rPr>
-                <a:t>Talks and small group discussion on relevant topics</a:t>
+                <a:t> to capture and analyze all upstream and downstream network packets under different scenarios</a:t>
               </a:r>
-            </a:p>
-            <a:p>
-              <a:pPr marL="1082675" lvl="1" indent="-457200" eaLnBrk="1">
-                <a:lnSpc>
-                  <a:spcPct val="98000"/>
-                </a:lnSpc>
-                <a:spcAft>
-                  <a:spcPts val="600"/>
-                </a:spcAft>
-                <a:buClr>
-                  <a:srgbClr val="000000"/>
-                </a:buClr>
-                <a:buSzPct val="125000"/>
-                <a:buFont typeface="Wingdings" charset="2"/>
-                <a:buChar char="§"/>
-                <a:defRPr/>
-              </a:pPr>
-              <a:r>
-                <a:rPr lang="en-GB" sz="3200" dirty="0">
-                  <a:solidFill>
-                    <a:srgbClr val="000000"/>
-                  </a:solidFill>
-                  <a:latin typeface="Calibri" panose="020F0502020204030204" pitchFamily="34" charset="0"/>
-                  <a:ea typeface="Calibri" panose="020F0502020204030204" pitchFamily="34" charset="0"/>
-                  <a:cs typeface="Calibri" panose="020F0502020204030204" pitchFamily="34" charset="0"/>
-                </a:rPr>
-                <a:t>Experiences with </a:t>
-              </a:r>
-              <a:r>
-                <a:rPr lang="en-GB" sz="3200" dirty="0" err="1">
-                  <a:solidFill>
-                    <a:srgbClr val="000000"/>
-                  </a:solidFill>
-                  <a:latin typeface="Calibri" panose="020F0502020204030204" pitchFamily="34" charset="0"/>
-                  <a:ea typeface="Calibri" panose="020F0502020204030204" pitchFamily="34" charset="0"/>
-                  <a:cs typeface="Calibri" panose="020F0502020204030204" pitchFamily="34" charset="0"/>
-                </a:rPr>
-                <a:t>fiber</a:t>
-              </a:r>
-              <a:r>
-                <a:rPr lang="en-GB" sz="3200" dirty="0">
-                  <a:solidFill>
-                    <a:srgbClr val="000000"/>
-                  </a:solidFill>
-                  <a:latin typeface="Calibri" panose="020F0502020204030204" pitchFamily="34" charset="0"/>
-                  <a:ea typeface="Calibri" panose="020F0502020204030204" pitchFamily="34" charset="0"/>
-                  <a:cs typeface="Calibri" panose="020F0502020204030204" pitchFamily="34" charset="0"/>
-                </a:rPr>
-                <a:t>-based sensing</a:t>
-              </a:r>
-            </a:p>
-            <a:p>
-              <a:pPr marL="1082675" lvl="1" indent="-457200" eaLnBrk="1">
-                <a:lnSpc>
-                  <a:spcPct val="98000"/>
-                </a:lnSpc>
-                <a:spcAft>
-                  <a:spcPts val="600"/>
-                </a:spcAft>
-                <a:buClr>
-                  <a:srgbClr val="000000"/>
-                </a:buClr>
-                <a:buSzPct val="125000"/>
-                <a:buFont typeface="Wingdings" charset="2"/>
-                <a:buChar char="§"/>
-                <a:defRPr/>
-              </a:pPr>
-              <a:r>
-                <a:rPr lang="en-GB" sz="3200" dirty="0">
-                  <a:solidFill>
-                    <a:srgbClr val="000000"/>
-                  </a:solidFill>
-                  <a:latin typeface="Calibri" panose="020F0502020204030204" pitchFamily="34" charset="0"/>
-                  <a:ea typeface="Calibri" panose="020F0502020204030204" pitchFamily="34" charset="0"/>
-                  <a:cs typeface="Calibri" panose="020F0502020204030204" pitchFamily="34" charset="0"/>
-                </a:rPr>
-                <a:t>Sensing capacity in OTN transceivers</a:t>
-              </a:r>
-            </a:p>
-            <a:p>
-              <a:pPr marL="1082675" lvl="1" indent="-457200" eaLnBrk="1">
-                <a:lnSpc>
-                  <a:spcPct val="98000"/>
-                </a:lnSpc>
-                <a:spcAft>
-                  <a:spcPts val="600"/>
-                </a:spcAft>
-                <a:buClr>
-                  <a:srgbClr val="000000"/>
-                </a:buClr>
-                <a:buSzPct val="125000"/>
-                <a:buFont typeface="Wingdings" charset="2"/>
-                <a:buChar char="§"/>
-                <a:defRPr/>
-              </a:pPr>
-              <a:r>
-                <a:rPr lang="en-GB" sz="3200" dirty="0">
-                  <a:solidFill>
-                    <a:srgbClr val="000000"/>
-                  </a:solidFill>
-                  <a:latin typeface="Calibri" panose="020F0502020204030204" pitchFamily="34" charset="0"/>
-                  <a:ea typeface="Calibri" panose="020F0502020204030204" pitchFamily="34" charset="0"/>
-                  <a:cs typeface="Calibri" panose="020F0502020204030204" pitchFamily="34" charset="0"/>
-                </a:rPr>
-                <a:t>Sensing in the global Internet</a:t>
-              </a:r>
-            </a:p>
-            <a:p>
-              <a:pPr marL="571500" indent="-571500" eaLnBrk="1">
-                <a:lnSpc>
-                  <a:spcPct val="98000"/>
-                </a:lnSpc>
-                <a:spcAft>
-                  <a:spcPts val="600"/>
-                </a:spcAft>
-                <a:buClr>
-                  <a:srgbClr val="000000"/>
-                </a:buClr>
-                <a:buSzPct val="45000"/>
-                <a:buFont typeface="Wingdings" charset="2"/>
-                <a:buChar char="§"/>
-                <a:defRPr/>
-              </a:pPr>
               <a:endParaRPr lang="en-GB" sz="3600" dirty="0">
                 <a:solidFill>
                   <a:srgbClr val="000000"/>
@@ -9498,7 +9157,28 @@
                 <a:defRPr/>
               </a:pPr>
               <a:r>
-                <a:rPr lang="en-US" sz="3200" dirty="0">
+                <a:rPr lang="en-US" altLang="zh-CN" sz="2800" b="0" i="0" dirty="0">
+                  <a:solidFill>
+                    <a:srgbClr val="222222"/>
+                  </a:solidFill>
+                  <a:effectLst/>
+                  <a:latin typeface="Arial" panose="020B0604020202020204" pitchFamily="34" charset="0"/>
+                </a:rPr>
+                <a:t>He, L’s </a:t>
+              </a:r>
+              <a:r>
+                <a:rPr lang="en-US" altLang="zh-CN" sz="3600" b="0" i="0" dirty="0">
+                  <a:solidFill>
+                    <a:srgbClr val="000000"/>
+                  </a:solidFill>
+                  <a:latin typeface="Calibri" panose="020F0502020204030204" pitchFamily="34" charset="0"/>
+                  <a:ea typeface="Calibri" panose="020F0502020204030204" pitchFamily="34" charset="0"/>
+                  <a:cs typeface="Calibri" panose="020F0502020204030204" pitchFamily="34" charset="0"/>
+                </a:rPr>
+                <a:t>e</a:t>
+              </a:r>
+              <a:r>
+                <a:rPr lang="en-US" sz="3600" dirty="0">
                   <a:solidFill>
                     <a:srgbClr val="000000"/>
                   </a:solidFill>
@@ -9507,585 +9187,162 @@
                   <a:ea typeface="Calibri" panose="020F0502020204030204" pitchFamily="34" charset="0"/>
                   <a:cs typeface="Calibri" panose="020F0502020204030204" pitchFamily="34" charset="0"/>
                 </a:rPr>
-                <a:t>Sun demonstrated that edge-based caching reduces backhaul congestion and latency in 5G-powered AR/VR applications. Similarly, Zhou introduced a mobile edge computing framework to </a:t>
-              </a:r>
-              <a:r>
-                <a:rPr lang="en-US" sz="3200">
-                  <a:solidFill>
-                    <a:srgbClr val="000000"/>
-                  </a:solidFill>
-                  <a:effectLst/>
-                  <a:latin typeface="Calibri" panose="020F0502020204030204" pitchFamily="34" charset="0"/>
-                  <a:ea typeface="Calibri" panose="020F0502020204030204" pitchFamily="34" charset="0"/>
-                  <a:cs typeface="Calibri" panose="020F0502020204030204" pitchFamily="34" charset="0"/>
-                </a:rPr>
-                <a:t>optimize BW </a:t>
-              </a:r>
-              <a:r>
-                <a:rPr lang="en-US" sz="3200" dirty="0">
-                  <a:solidFill>
-                    <a:srgbClr val="000000"/>
-                  </a:solidFill>
-                  <a:effectLst/>
-                  <a:latin typeface="Calibri" panose="020F0502020204030204" pitchFamily="34" charset="0"/>
-                  <a:ea typeface="Calibri" panose="020F0502020204030204" pitchFamily="34" charset="0"/>
-                  <a:cs typeface="Calibri" panose="020F0502020204030204" pitchFamily="34" charset="0"/>
-                </a:rPr>
-                <a:t>and latency by pre-caching field-of-view data and selectively processing content on device.</a:t>
+                <a:t>xperiments showed that Bluetooth audio streaming devices substantially increase the BER in 802.11b networks. </a:t>
               </a:r>
             </a:p>
           </p:txBody>
         </p:sp>
       </p:grpSp>
-      <p:grpSp>
-        <p:nvGrpSpPr>
-          <p:cNvPr id="29" name="Group 28">
+      <p:pic>
+        <p:nvPicPr>
+          <p:cNvPr id="32" name="图片 31">
             <a:extLst>
               <a:ext uri="{FF2B5EF4-FFF2-40B4-BE49-F238E27FC236}">
-                <a16:creationId xmlns:a16="http://schemas.microsoft.com/office/drawing/2014/main" id="{09C109D9-F902-39C3-A73F-8481DD2A2241}"/>
+                <a16:creationId xmlns:a16="http://schemas.microsoft.com/office/drawing/2014/main" id="{98D70678-58A8-C21F-E310-69667CC557FE}"/>
               </a:ext>
             </a:extLst>
           </p:cNvPr>
-          <p:cNvGrpSpPr/>
+          <p:cNvPicPr>
+            <a:picLocks noChangeAspect="1"/>
+          </p:cNvPicPr>
           <p:nvPr/>
-        </p:nvGrpSpPr>
-        <p:grpSpPr>
+        </p:nvPicPr>
+        <p:blipFill>
+          <a:blip r:embed="rId4"/>
+          <a:stretch>
+            <a:fillRect/>
+          </a:stretch>
+        </p:blipFill>
+        <p:spPr>
           <a:xfrm>
-            <a:off x="990600" y="11811000"/>
-            <a:ext cx="34671000" cy="8522732"/>
-            <a:chOff x="990600" y="11811000"/>
-            <a:chExt cx="34671000" cy="8522732"/>
+            <a:off x="774653" y="11835743"/>
+            <a:ext cx="11620603" cy="8142783"/>
           </a:xfrm>
-        </p:grpSpPr>
-        <p:pic>
-          <p:nvPicPr>
-            <p:cNvPr id="13" name="Picture 12" descr="A picture containing map&#10;&#10;Description automatically generated">
-              <a:extLst>
-                <a:ext uri="{FF2B5EF4-FFF2-40B4-BE49-F238E27FC236}">
-                  <a16:creationId xmlns:a16="http://schemas.microsoft.com/office/drawing/2014/main" id="{8C82A80E-BD38-D700-BF53-2B6ABB78319B}"/>
-                </a:ext>
-              </a:extLst>
-            </p:cNvPr>
-            <p:cNvPicPr>
-              <a:picLocks noChangeAspect="1"/>
-            </p:cNvPicPr>
-            <p:nvPr/>
-          </p:nvPicPr>
-          <p:blipFill>
-            <a:blip r:embed="rId4"/>
-            <a:stretch>
-              <a:fillRect/>
-            </a:stretch>
-          </p:blipFill>
-          <p:spPr>
-            <a:xfrm>
-              <a:off x="10439400" y="12268200"/>
-              <a:ext cx="10515600" cy="5742834"/>
-            </a:xfrm>
-            <a:prstGeom prst="rect">
-              <a:avLst/>
-            </a:prstGeom>
-          </p:spPr>
-        </p:pic>
-        <p:sp>
-          <p:nvSpPr>
-            <p:cNvPr id="14" name="TextBox 13">
-              <a:extLst>
-                <a:ext uri="{FF2B5EF4-FFF2-40B4-BE49-F238E27FC236}">
-                  <a16:creationId xmlns:a16="http://schemas.microsoft.com/office/drawing/2014/main" id="{9F696F75-B2CA-1256-2A3E-316A1B7ED456}"/>
-                </a:ext>
-              </a:extLst>
-            </p:cNvPr>
-            <p:cNvSpPr txBox="1"/>
-            <p:nvPr/>
-          </p:nvSpPr>
-          <p:spPr>
-            <a:xfrm>
-              <a:off x="11169894" y="18057674"/>
-              <a:ext cx="9054613" cy="1754326"/>
-            </a:xfrm>
-            <a:prstGeom prst="rect">
-              <a:avLst/>
-            </a:prstGeom>
-            <a:noFill/>
-          </p:spPr>
-          <p:txBody>
-            <a:bodyPr wrap="square" rtlCol="0">
-              <a:spAutoFit/>
-            </a:bodyPr>
-            <a:lstStyle/>
-            <a:p>
-              <a:pPr algn="ctr"/>
-              <a:r>
-                <a:rPr lang="en-US" sz="3600" dirty="0">
-                  <a:latin typeface="Calibri" panose="020F0502020204030204" pitchFamily="34" charset="0"/>
-                  <a:ea typeface="Calibri" panose="020F0502020204030204" pitchFamily="34" charset="0"/>
-                  <a:cs typeface="Calibri" panose="020F0502020204030204" pitchFamily="34" charset="0"/>
-                </a:rPr>
-                <a:t>Global Internet fiber infrastructure can be adapted for opportunistic ground-motion sensing.</a:t>
-              </a:r>
-            </a:p>
-          </p:txBody>
-        </p:sp>
-        <p:pic>
-          <p:nvPicPr>
-            <p:cNvPr id="18" name="Picture 17" descr="A blue and green graph&#10;&#10;AI-generated content may be incorrect.">
-              <a:extLst>
-                <a:ext uri="{FF2B5EF4-FFF2-40B4-BE49-F238E27FC236}">
-                  <a16:creationId xmlns:a16="http://schemas.microsoft.com/office/drawing/2014/main" id="{B0EE91BA-D487-566F-A9D5-87CF55E277B5}"/>
-                </a:ext>
-              </a:extLst>
-            </p:cNvPr>
-            <p:cNvPicPr>
-              <a:picLocks noChangeAspect="1"/>
-            </p:cNvPicPr>
-            <p:nvPr/>
-          </p:nvPicPr>
-          <p:blipFill>
-            <a:blip r:embed="rId5"/>
-            <a:srcRect l="1078" r="1849"/>
-            <a:stretch/>
-          </p:blipFill>
-          <p:spPr>
-            <a:xfrm>
-              <a:off x="21013995" y="11811000"/>
-              <a:ext cx="9144000" cy="4430470"/>
-            </a:xfrm>
-            <a:prstGeom prst="rect">
-              <a:avLst/>
-            </a:prstGeom>
-          </p:spPr>
-        </p:pic>
-        <p:sp>
-          <p:nvSpPr>
-            <p:cNvPr id="19" name="TextBox 18">
-              <a:extLst>
-                <a:ext uri="{FF2B5EF4-FFF2-40B4-BE49-F238E27FC236}">
-                  <a16:creationId xmlns:a16="http://schemas.microsoft.com/office/drawing/2014/main" id="{6B7B3BE7-9847-D1AA-4837-9D0B79B36E79}"/>
-                </a:ext>
-              </a:extLst>
-            </p:cNvPr>
-            <p:cNvSpPr txBox="1"/>
-            <p:nvPr/>
-          </p:nvSpPr>
-          <p:spPr>
-            <a:xfrm>
-              <a:off x="30403799" y="11811000"/>
-              <a:ext cx="5216037" cy="3970318"/>
-            </a:xfrm>
-            <a:prstGeom prst="rect">
-              <a:avLst/>
-            </a:prstGeom>
-            <a:noFill/>
-          </p:spPr>
-          <p:txBody>
-            <a:bodyPr wrap="square" rtlCol="0">
-              <a:spAutoFit/>
-            </a:bodyPr>
-            <a:lstStyle/>
-            <a:p>
-              <a:pPr algn="ctr"/>
-              <a:r>
-                <a:rPr lang="en-US" sz="3600" dirty="0">
-                  <a:latin typeface="Calibri" panose="020F0502020204030204" pitchFamily="34" charset="0"/>
-                  <a:ea typeface="Calibri" panose="020F0502020204030204" pitchFamily="34" charset="0"/>
-                  <a:cs typeface="Calibri" panose="020F0502020204030204" pitchFamily="34" charset="0"/>
-                </a:rPr>
-                <a:t>From Wilcock et al. “Distributed Acoustic Sensing Recording of Low-frequency Whale Calls and Ship Noise off the Oregon Coast”, in JASA Express Letters 2023.</a:t>
-              </a:r>
-            </a:p>
-          </p:txBody>
-        </p:sp>
-        <p:pic>
-          <p:nvPicPr>
-            <p:cNvPr id="21" name="Picture 20" descr="A diagram of a fiber optic cable&#10;&#10;AI-generated content may be incorrect.">
-              <a:extLst>
-                <a:ext uri="{FF2B5EF4-FFF2-40B4-BE49-F238E27FC236}">
-                  <a16:creationId xmlns:a16="http://schemas.microsoft.com/office/drawing/2014/main" id="{73BE148B-E012-E895-23DD-AAE7FF73B186}"/>
-                </a:ext>
-              </a:extLst>
-            </p:cNvPr>
-            <p:cNvPicPr>
-              <a:picLocks noChangeAspect="1"/>
-            </p:cNvPicPr>
-            <p:nvPr/>
-          </p:nvPicPr>
-          <p:blipFill>
-            <a:blip r:embed="rId6"/>
-            <a:srcRect l="2332" r="2260"/>
-            <a:stretch/>
-          </p:blipFill>
-          <p:spPr>
-            <a:xfrm>
-              <a:off x="990600" y="11908472"/>
-              <a:ext cx="9372189" cy="4626928"/>
-            </a:xfrm>
-            <a:prstGeom prst="rect">
-              <a:avLst/>
-            </a:prstGeom>
-          </p:spPr>
-        </p:pic>
-        <p:sp>
-          <p:nvSpPr>
-            <p:cNvPr id="22" name="TextBox 21">
-              <a:extLst>
-                <a:ext uri="{FF2B5EF4-FFF2-40B4-BE49-F238E27FC236}">
-                  <a16:creationId xmlns:a16="http://schemas.microsoft.com/office/drawing/2014/main" id="{096DFAB3-3243-2896-6C9C-3ADA09C4B987}"/>
-                </a:ext>
-              </a:extLst>
-            </p:cNvPr>
-            <p:cNvSpPr txBox="1"/>
-            <p:nvPr/>
-          </p:nvSpPr>
-          <p:spPr>
-            <a:xfrm>
-              <a:off x="990600" y="16535400"/>
-              <a:ext cx="9054612" cy="3416320"/>
-            </a:xfrm>
-            <a:prstGeom prst="rect">
-              <a:avLst/>
-            </a:prstGeom>
-            <a:noFill/>
-          </p:spPr>
-          <p:txBody>
-            <a:bodyPr wrap="square" rtlCol="0">
-              <a:spAutoFit/>
-            </a:bodyPr>
-            <a:lstStyle/>
-            <a:p>
-              <a:pPr algn="ctr"/>
-              <a:r>
-                <a:rPr lang="en-US" sz="3600" dirty="0">
-                  <a:latin typeface="Calibri" panose="020F0502020204030204" pitchFamily="34" charset="0"/>
-                  <a:ea typeface="Calibri" panose="020F0502020204030204" pitchFamily="34" charset="0"/>
-                  <a:cs typeface="Calibri" panose="020F0502020204030204" pitchFamily="34" charset="0"/>
-                </a:rPr>
-                <a:t>Distributed acoustic sensing uses backscattered light to sense strain in fiber.  New generations of OTN transceivers are being developed to </a:t>
-              </a:r>
-              <a:r>
-                <a:rPr lang="en-US" sz="3600" b="1" dirty="0">
-                  <a:latin typeface="Calibri" panose="020F0502020204030204" pitchFamily="34" charset="0"/>
-                  <a:ea typeface="Calibri" panose="020F0502020204030204" pitchFamily="34" charset="0"/>
-                  <a:cs typeface="Calibri" panose="020F0502020204030204" pitchFamily="34" charset="0"/>
-                </a:rPr>
-                <a:t>export state of polarization and phase information</a:t>
-              </a:r>
-              <a:r>
-                <a:rPr lang="en-US" sz="3600" dirty="0">
-                  <a:latin typeface="Calibri" panose="020F0502020204030204" pitchFamily="34" charset="0"/>
-                  <a:ea typeface="Calibri" panose="020F0502020204030204" pitchFamily="34" charset="0"/>
-                  <a:cs typeface="Calibri" panose="020F0502020204030204" pitchFamily="34" charset="0"/>
-                </a:rPr>
-                <a:t> from their signal processors which can also be used to detect strain on fiber.</a:t>
-              </a:r>
-            </a:p>
-          </p:txBody>
-        </p:sp>
-        <p:pic>
-          <p:nvPicPr>
-            <p:cNvPr id="1030" name="Picture 6" descr="The Aurora, a 235-foot Alaska state ferry, approaches the dock in Whittier, its departure point for its trip across Prince William Sound to Cordova. (Photo by Nat Herz/Alaska's Energy Desk)">
-              <a:extLst>
-                <a:ext uri="{FF2B5EF4-FFF2-40B4-BE49-F238E27FC236}">
-                  <a16:creationId xmlns:a16="http://schemas.microsoft.com/office/drawing/2014/main" id="{D18226C9-3DB1-7D0E-8E51-D30BD1211579}"/>
-                </a:ext>
-              </a:extLst>
-            </p:cNvPr>
-            <p:cNvPicPr>
-              <a:picLocks noChangeAspect="1" noChangeArrowheads="1"/>
-            </p:cNvPicPr>
-            <p:nvPr/>
-          </p:nvPicPr>
-          <p:blipFill rotWithShape="1">
-            <a:blip r:embed="rId7">
-              <a:extLst>
-                <a:ext uri="{28A0092B-C50C-407E-A947-70E740481C1C}">
-                  <a14:useLocalDpi xmlns:a14="http://schemas.microsoft.com/office/drawing/2010/main" val="0"/>
-                </a:ext>
-              </a:extLst>
-            </a:blip>
-            <a:srcRect l="3164" t="32117" r="35121" b="16698"/>
-            <a:stretch/>
-          </p:blipFill>
-          <p:spPr bwMode="auto">
-            <a:xfrm>
-              <a:off x="27584346" y="16154403"/>
-              <a:ext cx="3078479" cy="1567990"/>
-            </a:xfrm>
-            <a:prstGeom prst="rect">
-              <a:avLst/>
-            </a:prstGeom>
-            <a:noFill/>
+          <a:prstGeom prst="rect">
+            <a:avLst/>
+          </a:prstGeom>
+        </p:spPr>
+      </p:pic>
+      <p:pic>
+        <p:nvPicPr>
+          <p:cNvPr id="36" name="图片 35">
             <a:extLst>
-              <a:ext uri="{909E8E84-426E-40DD-AFC4-6F175D3DCCD1}">
-                <a14:hiddenFill xmlns:a14="http://schemas.microsoft.com/office/drawing/2010/main">
-                  <a:solidFill>
-                    <a:srgbClr val="FFFFFF"/>
-                  </a:solidFill>
-                </a14:hiddenFill>
+              <a:ext uri="{FF2B5EF4-FFF2-40B4-BE49-F238E27FC236}">
+                <a16:creationId xmlns:a16="http://schemas.microsoft.com/office/drawing/2014/main" id="{40DCC2CB-1995-F2AF-86A7-8CC031E0953B}"/>
               </a:ext>
             </a:extLst>
-          </p:spPr>
-        </p:pic>
-        <p:pic>
-          <p:nvPicPr>
-            <p:cNvPr id="15" name="Picture 14" descr="A green screen with a line&#10;&#10;AI-generated content may be incorrect.">
-              <a:extLst>
-                <a:ext uri="{FF2B5EF4-FFF2-40B4-BE49-F238E27FC236}">
-                  <a16:creationId xmlns:a16="http://schemas.microsoft.com/office/drawing/2014/main" id="{BE72B7E9-68FB-7DB7-49C1-A909FECA9215}"/>
-                </a:ext>
-              </a:extLst>
-            </p:cNvPr>
-            <p:cNvPicPr>
-              <a:picLocks noChangeAspect="1"/>
-            </p:cNvPicPr>
-            <p:nvPr/>
-          </p:nvPicPr>
-          <p:blipFill>
-            <a:blip r:embed="rId8"/>
-            <a:srcRect t="3574"/>
-            <a:stretch/>
-          </p:blipFill>
-          <p:spPr>
-            <a:xfrm>
-              <a:off x="21425475" y="16154400"/>
-              <a:ext cx="5760720" cy="3944649"/>
-            </a:xfrm>
-            <a:prstGeom prst="rect">
-              <a:avLst/>
-            </a:prstGeom>
-          </p:spPr>
-        </p:pic>
-        <p:sp>
-          <p:nvSpPr>
-            <p:cNvPr id="16" name="TextBox 15">
-              <a:extLst>
-                <a:ext uri="{FF2B5EF4-FFF2-40B4-BE49-F238E27FC236}">
-                  <a16:creationId xmlns:a16="http://schemas.microsoft.com/office/drawing/2014/main" id="{E5A94A9A-C2E8-4435-FDEC-645C2ECAC0C1}"/>
-                </a:ext>
-              </a:extLst>
-            </p:cNvPr>
-            <p:cNvSpPr txBox="1"/>
-            <p:nvPr/>
-          </p:nvSpPr>
-          <p:spPr>
-            <a:xfrm>
-              <a:off x="30649551" y="16154400"/>
-              <a:ext cx="5012049" cy="3416320"/>
-            </a:xfrm>
-            <a:prstGeom prst="rect">
-              <a:avLst/>
-            </a:prstGeom>
-            <a:noFill/>
-          </p:spPr>
-          <p:txBody>
-            <a:bodyPr wrap="square" rtlCol="0">
-              <a:spAutoFit/>
-            </a:bodyPr>
-            <a:lstStyle/>
-            <a:p>
-              <a:pPr algn="ctr"/>
-              <a:r>
-                <a:rPr lang="en-US" sz="3600" dirty="0">
-                  <a:latin typeface="Calibri" panose="020F0502020204030204" pitchFamily="34" charset="0"/>
-                  <a:ea typeface="Calibri" panose="020F0502020204030204" pitchFamily="34" charset="0"/>
-                  <a:cs typeface="Calibri" panose="020F0502020204030204" pitchFamily="34" charset="0"/>
-                </a:rPr>
-                <a:t>Using fiber sensing for off-shore  monitoring. An offshore DAS Array in Prince William Sound, AK monitors a ferry between Cordova and Valdez.  </a:t>
-              </a:r>
-            </a:p>
-          </p:txBody>
-        </p:sp>
-        <p:sp>
-          <p:nvSpPr>
-            <p:cNvPr id="17" name="TextBox 16">
-              <a:extLst>
-                <a:ext uri="{FF2B5EF4-FFF2-40B4-BE49-F238E27FC236}">
-                  <a16:creationId xmlns:a16="http://schemas.microsoft.com/office/drawing/2014/main" id="{D947212C-E2FE-D27C-AAB1-DABB21BD7246}"/>
-                </a:ext>
-              </a:extLst>
-            </p:cNvPr>
-            <p:cNvSpPr txBox="1"/>
-            <p:nvPr/>
-          </p:nvSpPr>
-          <p:spPr>
-            <a:xfrm rot="16200000">
-              <a:off x="26101462" y="17974701"/>
-              <a:ext cx="2104933" cy="369332"/>
-            </a:xfrm>
-            <a:prstGeom prst="rect">
-              <a:avLst/>
-            </a:prstGeom>
-            <a:solidFill>
-              <a:schemeClr val="bg1"/>
-            </a:solidFill>
-          </p:spPr>
-          <p:txBody>
-            <a:bodyPr wrap="square" lIns="0" tIns="0" rIns="0" bIns="0" rtlCol="0">
-              <a:spAutoFit/>
-            </a:bodyPr>
-            <a:lstStyle/>
-            <a:p>
-              <a:pPr algn="ctr"/>
-              <a:r>
-                <a:rPr lang="en-US" dirty="0">
-                  <a:latin typeface="Calibri" panose="020F0502020204030204" pitchFamily="34" charset="0"/>
-                  <a:ea typeface="Calibri" panose="020F0502020204030204" pitchFamily="34" charset="0"/>
-                  <a:cs typeface="Calibri" panose="020F0502020204030204" pitchFamily="34" charset="0"/>
-                </a:rPr>
-                <a:t>Strain [</a:t>
-              </a:r>
-              <a:r>
-                <a:rPr lang="en-US" dirty="0">
-                  <a:latin typeface="Calibri" panose="020F0502020204030204" pitchFamily="34" charset="0"/>
-                  <a:ea typeface="Calibri" panose="020F0502020204030204" pitchFamily="34" charset="0"/>
-                  <a:cs typeface="Calibri" panose="020F0502020204030204" pitchFamily="34" charset="0"/>
-                  <a:sym typeface="Symbol" panose="05050102010706020507" pitchFamily="18" charset="2"/>
-                </a:rPr>
-                <a:t></a:t>
-              </a:r>
-              <a:r>
-                <a:rPr lang="en-US" dirty="0">
-                  <a:latin typeface="Calibri" panose="020F0502020204030204" pitchFamily="34" charset="0"/>
-                  <a:ea typeface="Calibri" panose="020F0502020204030204" pitchFamily="34" charset="0"/>
-                  <a:cs typeface="Calibri" panose="020F0502020204030204" pitchFamily="34" charset="0"/>
-                </a:rPr>
-                <a:t>]</a:t>
-              </a:r>
-            </a:p>
-          </p:txBody>
-        </p:sp>
-        <p:sp>
-          <p:nvSpPr>
-            <p:cNvPr id="20" name="TextBox 19">
-              <a:extLst>
-                <a:ext uri="{FF2B5EF4-FFF2-40B4-BE49-F238E27FC236}">
-                  <a16:creationId xmlns:a16="http://schemas.microsoft.com/office/drawing/2014/main" id="{5E017F99-228A-6C5B-5934-3CADBD48E5FF}"/>
-                </a:ext>
-              </a:extLst>
-            </p:cNvPr>
-            <p:cNvSpPr txBox="1"/>
-            <p:nvPr/>
-          </p:nvSpPr>
-          <p:spPr>
-            <a:xfrm>
-              <a:off x="23100062" y="19964400"/>
-              <a:ext cx="2104933" cy="369332"/>
-            </a:xfrm>
-            <a:prstGeom prst="rect">
-              <a:avLst/>
-            </a:prstGeom>
-            <a:solidFill>
-              <a:schemeClr val="bg1"/>
-            </a:solidFill>
-          </p:spPr>
-          <p:txBody>
-            <a:bodyPr wrap="square" lIns="0" tIns="0" rIns="0" bIns="0" rtlCol="0">
-              <a:spAutoFit/>
-            </a:bodyPr>
-            <a:lstStyle/>
-            <a:p>
-              <a:pPr algn="ctr"/>
-              <a:r>
-                <a:rPr lang="en-US" dirty="0">
-                  <a:latin typeface="Calibri" panose="020F0502020204030204" pitchFamily="34" charset="0"/>
-                  <a:ea typeface="Calibri" panose="020F0502020204030204" pitchFamily="34" charset="0"/>
-                  <a:cs typeface="Calibri" panose="020F0502020204030204" pitchFamily="34" charset="0"/>
-                </a:rPr>
-                <a:t>Time [</a:t>
-              </a:r>
-              <a:r>
-                <a:rPr lang="en-US" dirty="0">
-                  <a:latin typeface="Calibri" panose="020F0502020204030204" pitchFamily="34" charset="0"/>
-                  <a:ea typeface="Calibri" panose="020F0502020204030204" pitchFamily="34" charset="0"/>
-                  <a:cs typeface="Calibri" panose="020F0502020204030204" pitchFamily="34" charset="0"/>
-                  <a:sym typeface="Symbol" panose="05050102010706020507" pitchFamily="18" charset="2"/>
-                </a:rPr>
-                <a:t>s</a:t>
-              </a:r>
-              <a:r>
-                <a:rPr lang="en-US" dirty="0">
-                  <a:latin typeface="Calibri" panose="020F0502020204030204" pitchFamily="34" charset="0"/>
-                  <a:ea typeface="Calibri" panose="020F0502020204030204" pitchFamily="34" charset="0"/>
-                  <a:cs typeface="Calibri" panose="020F0502020204030204" pitchFamily="34" charset="0"/>
-                </a:rPr>
-                <a:t>]</a:t>
-              </a:r>
-            </a:p>
-          </p:txBody>
-        </p:sp>
-        <p:sp>
-          <p:nvSpPr>
-            <p:cNvPr id="23" name="TextBox 22">
-              <a:extLst>
-                <a:ext uri="{FF2B5EF4-FFF2-40B4-BE49-F238E27FC236}">
-                  <a16:creationId xmlns:a16="http://schemas.microsoft.com/office/drawing/2014/main" id="{5FEC9903-0D25-64C9-99F9-26E81FB11863}"/>
-                </a:ext>
-              </a:extLst>
-            </p:cNvPr>
-            <p:cNvSpPr txBox="1"/>
-            <p:nvPr/>
-          </p:nvSpPr>
-          <p:spPr>
-            <a:xfrm rot="16200000">
-              <a:off x="20310262" y="17689006"/>
-              <a:ext cx="2104933" cy="369332"/>
-            </a:xfrm>
-            <a:prstGeom prst="rect">
-              <a:avLst/>
-            </a:prstGeom>
-            <a:solidFill>
-              <a:schemeClr val="bg1"/>
-            </a:solidFill>
-          </p:spPr>
-          <p:txBody>
-            <a:bodyPr wrap="square" lIns="0" tIns="0" rIns="0" bIns="0" rtlCol="0">
-              <a:spAutoFit/>
-            </a:bodyPr>
-            <a:lstStyle/>
-            <a:p>
-              <a:pPr algn="ctr"/>
-              <a:r>
-                <a:rPr lang="en-US" dirty="0">
-                  <a:latin typeface="Calibri" panose="020F0502020204030204" pitchFamily="34" charset="0"/>
-                  <a:ea typeface="Calibri" panose="020F0502020204030204" pitchFamily="34" charset="0"/>
-                  <a:cs typeface="Calibri" panose="020F0502020204030204" pitchFamily="34" charset="0"/>
-                </a:rPr>
-                <a:t>Channel Number</a:t>
-              </a:r>
-            </a:p>
-          </p:txBody>
-        </p:sp>
-        <p:pic>
-          <p:nvPicPr>
-            <p:cNvPr id="28" name="Picture 27">
-              <a:extLst>
-                <a:ext uri="{FF2B5EF4-FFF2-40B4-BE49-F238E27FC236}">
-                  <a16:creationId xmlns:a16="http://schemas.microsoft.com/office/drawing/2014/main" id="{60A21829-A660-C893-5A0F-A575BE7DAC19}"/>
-                </a:ext>
-              </a:extLst>
-            </p:cNvPr>
-            <p:cNvPicPr>
-              <a:picLocks noChangeAspect="1"/>
-            </p:cNvPicPr>
-            <p:nvPr/>
-          </p:nvPicPr>
-          <p:blipFill>
-            <a:blip r:embed="rId9"/>
-            <a:stretch>
-              <a:fillRect/>
-            </a:stretch>
-          </p:blipFill>
-          <p:spPr>
-            <a:xfrm>
-              <a:off x="27492960" y="17735583"/>
-              <a:ext cx="3291840" cy="2587234"/>
-            </a:xfrm>
-            <a:prstGeom prst="rect">
-              <a:avLst/>
-            </a:prstGeom>
-          </p:spPr>
-        </p:pic>
-      </p:grpSp>
+          </p:cNvPr>
+          <p:cNvPicPr>
+            <a:picLocks noChangeAspect="1"/>
+          </p:cNvPicPr>
+          <p:nvPr/>
+        </p:nvPicPr>
+        <p:blipFill>
+          <a:blip r:embed="rId5"/>
+          <a:stretch>
+            <a:fillRect/>
+          </a:stretch>
+        </p:blipFill>
+        <p:spPr>
+          <a:xfrm>
+            <a:off x="12441204" y="11798300"/>
+            <a:ext cx="11510409" cy="8065568"/>
+          </a:xfrm>
+          <a:prstGeom prst="rect">
+            <a:avLst/>
+          </a:prstGeom>
+        </p:spPr>
+      </p:pic>
+      <p:pic>
+        <p:nvPicPr>
+          <p:cNvPr id="38" name="图片 37">
+            <a:extLst>
+              <a:ext uri="{FF2B5EF4-FFF2-40B4-BE49-F238E27FC236}">
+                <a16:creationId xmlns:a16="http://schemas.microsoft.com/office/drawing/2014/main" id="{E55BB68B-AAF4-D442-A064-2F11A3E20652}"/>
+              </a:ext>
+            </a:extLst>
+          </p:cNvPr>
+          <p:cNvPicPr>
+            <a:picLocks noChangeAspect="1"/>
+          </p:cNvPicPr>
+          <p:nvPr/>
+        </p:nvPicPr>
+        <p:blipFill>
+          <a:blip r:embed="rId6"/>
+          <a:stretch>
+            <a:fillRect/>
+          </a:stretch>
+        </p:blipFill>
+        <p:spPr>
+          <a:xfrm>
+            <a:off x="25307267" y="889701"/>
+            <a:ext cx="8188763" cy="2420047"/>
+          </a:xfrm>
+          <a:prstGeom prst="rect">
+            <a:avLst/>
+          </a:prstGeom>
+        </p:spPr>
+      </p:pic>
+      <p:pic>
+        <p:nvPicPr>
+          <p:cNvPr id="40" name="图片 39">
+            <a:extLst>
+              <a:ext uri="{FF2B5EF4-FFF2-40B4-BE49-F238E27FC236}">
+                <a16:creationId xmlns:a16="http://schemas.microsoft.com/office/drawing/2014/main" id="{B349230A-9CD2-C568-36CD-30A787B6D70F}"/>
+              </a:ext>
+            </a:extLst>
+          </p:cNvPr>
+          <p:cNvPicPr>
+            <a:picLocks noChangeAspect="1"/>
+          </p:cNvPicPr>
+          <p:nvPr/>
+        </p:nvPicPr>
+        <p:blipFill>
+          <a:blip r:embed="rId7"/>
+          <a:stretch>
+            <a:fillRect/>
+          </a:stretch>
+        </p:blipFill>
+        <p:spPr>
+          <a:xfrm>
+            <a:off x="24038400" y="11815016"/>
+            <a:ext cx="11467812" cy="8035719"/>
+          </a:xfrm>
+          <a:prstGeom prst="rect">
+            <a:avLst/>
+          </a:prstGeom>
+        </p:spPr>
+      </p:pic>
+      <p:pic>
+        <p:nvPicPr>
+          <p:cNvPr id="42" name="图片 41">
+            <a:extLst>
+              <a:ext uri="{FF2B5EF4-FFF2-40B4-BE49-F238E27FC236}">
+                <a16:creationId xmlns:a16="http://schemas.microsoft.com/office/drawing/2014/main" id="{1D8E723B-C54A-2C90-1F79-370A0A3181CA}"/>
+              </a:ext>
+            </a:extLst>
+          </p:cNvPr>
+          <p:cNvPicPr>
+            <a:picLocks noChangeAspect="1"/>
+          </p:cNvPicPr>
+          <p:nvPr/>
+        </p:nvPicPr>
+        <p:blipFill>
+          <a:blip r:embed="rId8"/>
+          <a:stretch>
+            <a:fillRect/>
+          </a:stretch>
+        </p:blipFill>
+        <p:spPr>
+          <a:xfrm>
+            <a:off x="21670955" y="655481"/>
+            <a:ext cx="2966607" cy="2632484"/>
+          </a:xfrm>
+          <a:prstGeom prst="rect">
+            <a:avLst/>
+          </a:prstGeom>
+        </p:spPr>
+      </p:pic>
     </p:spTree>
   </p:cSld>
   <p:clrMapOvr>

--- a/poster/740final.pptx
+++ b/poster/740final.pptx
@@ -6296,8 +6296,27 @@
                   <a:ea typeface="Calibri" panose="020F0502020204030204" pitchFamily="34" charset="0"/>
                   <a:cs typeface="Calibri" panose="020F0502020204030204" pitchFamily="34" charset="0"/>
                 </a:rPr>
-                <a:t> to collect network traffic under 5 different scenarios: Baseline, Baseline + Music, Baseline + 4k Video, Baseline + Bluetooth, Baseline + 4k Video</a:t>
+                <a:t> to collect network traffic under 5 different scenarios: Baseline, Baseline + Music, Baseline + 4k Video, Baseline + Bluetooth, Baseline + H</a:t>
               </a:r>
+              <a:r>
+                <a:rPr lang="en-US" altLang="zh-CN" sz="3600" dirty="0" err="1">
+                  <a:solidFill>
+                    <a:srgbClr val="000000"/>
+                  </a:solidFill>
+                  <a:latin typeface="Calibri" panose="020F0502020204030204" pitchFamily="34" charset="0"/>
+                  <a:ea typeface="Calibri" panose="020F0502020204030204" pitchFamily="34" charset="0"/>
+                  <a:cs typeface="Calibri" panose="020F0502020204030204" pitchFamily="34" charset="0"/>
+                </a:rPr>
+                <a:t>airdryer</a:t>
+              </a:r>
+              <a:endParaRPr lang="en-GB" sz="3600" dirty="0">
+                <a:solidFill>
+                  <a:srgbClr val="000000"/>
+                </a:solidFill>
+                <a:latin typeface="Calibri" panose="020F0502020204030204" pitchFamily="34" charset="0"/>
+                <a:ea typeface="Calibri" panose="020F0502020204030204" pitchFamily="34" charset="0"/>
+                <a:cs typeface="Calibri" panose="020F0502020204030204" pitchFamily="34" charset="0"/>
+              </a:endParaRPr>
             </a:p>
             <a:p>
               <a:pPr marL="571500" lvl="1" indent="-571500" eaLnBrk="1">
@@ -9157,7 +9176,7 @@
                 <a:defRPr/>
               </a:pPr>
               <a:r>
-                <a:rPr lang="en-US" altLang="zh-CN" sz="2800" b="0" i="0" dirty="0">
+                <a:rPr lang="en-US" altLang="zh-CN" sz="3600" b="0" i="0" dirty="0">
                   <a:solidFill>
                     <a:srgbClr val="222222"/>
                   </a:solidFill>
